--- a/Ch04_ClusterAnalysis.pptx
+++ b/Ch04_ClusterAnalysis.pptx
@@ -8464,30 +8464,13 @@
           <a:p>
             <a:r>
               <a:rPr lang="en-US" dirty="0"/>
-              <a:t>Compared two algorithms</a:t>
-            </a:r>
-          </a:p>
-          <a:p>
-            <a:pPr lvl="1"/>
-            <a:r>
-              <a:rPr lang="en-US" dirty="0"/>
-              <a:t>K-Means</a:t>
-            </a:r>
-          </a:p>
-          <a:p>
-            <a:pPr lvl="1"/>
-            <a:r>
-              <a:rPr lang="en-US" dirty="0"/>
-              <a:t>Hierarchical</a:t>
+              <a:t>Used K-Means algorithm</a:t>
             </a:r>
           </a:p>
           <a:p>
             <a:pPr marL="0" indent="0">
               <a:buNone/>
             </a:pPr>
-            <a:endParaRPr lang="en-US" dirty="0"/>
-          </a:p>
-          <a:p>
             <a:endParaRPr lang="en-US" dirty="0"/>
           </a:p>
           <a:p>
@@ -8582,28 +8565,8 @@
           <a:p>
             <a:r>
               <a:rPr lang="en-US" dirty="0"/>
-              <a:t>Compare two algorithms</a:t>
-            </a:r>
-          </a:p>
-          <a:p>
-            <a:pPr lvl="1"/>
-            <a:r>
-              <a:rPr lang="en-US" dirty="0"/>
-              <a:t>K-Means</a:t>
-            </a:r>
-          </a:p>
-          <a:p>
-            <a:pPr lvl="1"/>
-            <a:r>
-              <a:rPr lang="en-US" dirty="0"/>
-              <a:t>Hierarchical</a:t>
-            </a:r>
-          </a:p>
-          <a:p>
-            <a:pPr marL="0" indent="0">
-              <a:buNone/>
-            </a:pPr>
-            <a:endParaRPr lang="en-US" dirty="0"/>
+              <a:t>K-Means algorithms</a:t>
+            </a:r>
           </a:p>
           <a:p>
             <a:endParaRPr lang="en-US" dirty="0"/>
@@ -11790,21 +11753,6 @@
 </file>
 
 <file path=customXml/item1.xml><?xml version="1.0" encoding="utf-8"?>
-<?mso-contentType ?>
-<FormTemplates xmlns="http://schemas.microsoft.com/sharepoint/v3/contenttype/forms">
-  <Display>DocumentLibraryForm</Display>
-  <Edit>DocumentLibraryForm</Edit>
-  <New>DocumentLibraryForm</New>
-</FormTemplates>
-</file>
-
-<file path=customXml/item2.xml><?xml version="1.0" encoding="utf-8"?>
-<p:properties xmlns:p="http://schemas.microsoft.com/office/2006/metadata/properties" xmlns:xsi="http://www.w3.org/2001/XMLSchema-instance" xmlns:pc="http://schemas.microsoft.com/office/infopath/2007/PartnerControls">
-  <documentManagement/>
-</p:properties>
-</file>
-
-<file path=customXml/item3.xml><?xml version="1.0" encoding="utf-8"?>
 <ct:contentTypeSchema xmlns:ct="http://schemas.microsoft.com/office/2006/metadata/contentType" xmlns:ma="http://schemas.microsoft.com/office/2006/metadata/properties/metaAttributes" ct:_="" ma:_="" ma:contentTypeName="Document" ma:contentTypeID="0x0101004C58D7A746750E48B9E257CBBD401C71" ma:contentTypeVersion="5" ma:contentTypeDescription="Create a new document." ma:contentTypeScope="" ma:versionID="9b104746e7bcdc89d5c9d8909bc79033">
   <xsd:schema xmlns:xsd="http://www.w3.org/2001/XMLSchema" xmlns:xs="http://www.w3.org/2001/XMLSchema" xmlns:p="http://schemas.microsoft.com/office/2006/metadata/properties" xmlns:ns2="3f1ded34-099e-46dd-b0de-95a90e7e1e5f" targetNamespace="http://schemas.microsoft.com/office/2006/metadata/properties" ma:root="true" ma:fieldsID="39039af933a2d9dca5a96354c4c2b0ed" ns2:_="">
     <xsd:import namespace="3f1ded34-099e-46dd-b0de-95a90e7e1e5f"/>
@@ -11956,24 +11904,22 @@
 </ct:contentTypeSchema>
 </file>
 
-<file path=customXml/itemProps1.xml><?xml version="1.0" encoding="utf-8"?>
-<ds:datastoreItem xmlns:ds="http://schemas.openxmlformats.org/officeDocument/2006/customXml" ds:itemID="{2DA015F3-603C-4688-A5F3-81D587DAB8C9}">
-  <ds:schemaRefs>
-    <ds:schemaRef ds:uri="http://schemas.microsoft.com/sharepoint/v3/contenttype/forms"/>
-  </ds:schemaRefs>
-</ds:datastoreItem>
+<file path=customXml/item2.xml><?xml version="1.0" encoding="utf-8"?>
+<p:properties xmlns:p="http://schemas.microsoft.com/office/2006/metadata/properties" xmlns:xsi="http://www.w3.org/2001/XMLSchema-instance" xmlns:pc="http://schemas.microsoft.com/office/infopath/2007/PartnerControls">
+  <documentManagement/>
+</p:properties>
 </file>
 
-<file path=customXml/itemProps2.xml><?xml version="1.0" encoding="utf-8"?>
-<ds:datastoreItem xmlns:ds="http://schemas.openxmlformats.org/officeDocument/2006/customXml" ds:itemID="{F47B9207-CE5C-49AD-B414-15CBFA246D65}">
-  <ds:schemaRefs>
-    <ds:schemaRef ds:uri="http://schemas.microsoft.com/office/2006/metadata/properties"/>
-    <ds:schemaRef ds:uri="http://schemas.microsoft.com/office/infopath/2007/PartnerControls"/>
-  </ds:schemaRefs>
-</ds:datastoreItem>
+<file path=customXml/item3.xml><?xml version="1.0" encoding="utf-8"?>
+<?mso-contentType ?>
+<FormTemplates xmlns="http://schemas.microsoft.com/sharepoint/v3/contenttype/forms">
+  <Display>DocumentLibraryForm</Display>
+  <Edit>DocumentLibraryForm</Edit>
+  <New>DocumentLibraryForm</New>
+</FormTemplates>
 </file>
 
-<file path=customXml/itemProps3.xml><?xml version="1.0" encoding="utf-8"?>
+<file path=customXml/itemProps1.xml><?xml version="1.0" encoding="utf-8"?>
 <ds:datastoreItem xmlns:ds="http://schemas.openxmlformats.org/officeDocument/2006/customXml" ds:itemID="{6751EBC6-C433-43E6-8F46-C6D6D677BF51}">
   <ds:schemaRefs>
     <ds:schemaRef ds:uri="http://schemas.microsoft.com/office/2006/metadata/contentType"/>
@@ -11989,4 +11935,21 @@
     <ds:schemaRef ds:uri="http://schemas.microsoft.com/internal/obd"/>
   </ds:schemaRefs>
 </ds:datastoreItem>
+</file>
+
+<file path=customXml/itemProps2.xml><?xml version="1.0" encoding="utf-8"?>
+<ds:datastoreItem xmlns:ds="http://schemas.openxmlformats.org/officeDocument/2006/customXml" ds:itemID="{F47B9207-CE5C-49AD-B414-15CBFA246D65}">
+  <ds:schemaRefs>
+    <ds:schemaRef ds:uri="http://schemas.microsoft.com/office/2006/metadata/properties"/>
+    <ds:schemaRef ds:uri="http://schemas.microsoft.com/office/infopath/2007/PartnerControls"/>
+  </ds:schemaRefs>
+</ds:datastoreItem>
+</file>
+
+<file path=customXml/itemProps3.xml><?xml version="1.0" encoding="utf-8"?>
+<ds:datastoreItem xmlns:ds="http://schemas.openxmlformats.org/officeDocument/2006/customXml" ds:itemID="{2DA015F3-603C-4688-A5F3-81D587DAB8C9}">
+  <ds:schemaRefs>
+    <ds:schemaRef ds:uri="http://schemas.microsoft.com/sharepoint/v3/contenttype/forms"/>
+  </ds:schemaRefs>
+</ds:datastoreItem>
 </file>